--- a/lectures/lecture1/overview.pptx
+++ b/lectures/lecture1/overview.pptx
@@ -4722,7 +4722,7 @@
           <a:graphicData uri="http://schemas.openxmlformats.org/presentationml/2006/ole">
             <mc:AlternateContent xmlns:mc="http://schemas.openxmlformats.org/markup-compatibility/2006">
               <mc:Choice xmlns:v="urn:schemas-microsoft-com:vml" Requires="v">
-                <p:oleObj spid="_x0000_s4113" name="Equation" r:id="rId3" imgW="520700" imgH="228600" progId="Equation.3">
+                <p:oleObj spid="_x0000_s4115" name="Equation" r:id="rId3" imgW="520700" imgH="228600" progId="Equation.3">
                   <p:embed/>
                 </p:oleObj>
               </mc:Choice>
@@ -5838,15 +5838,7 @@
             </a:r>
             <a:r>
               <a:rPr lang="en-US" sz="2000" dirty="0" smtClean="0"/>
-              <a:t>— </a:t>
-            </a:r>
-            <a:r>
-              <a:rPr lang="en-US" sz="2000" dirty="0" smtClean="0"/>
-              <a:t>no extensions or makeup, but </a:t>
-            </a:r>
-            <a:r>
-              <a:rPr lang="en-US" sz="2000" dirty="0" smtClean="0"/>
-              <a:t>lowest </a:t>
+              <a:t>— no extensions or makeup, but lowest </a:t>
             </a:r>
             <a:r>
               <a:rPr lang="en-US" sz="2000" dirty="0" err="1" smtClean="0"/>
@@ -6213,11 +6205,7 @@
             </a:r>
             <a:r>
               <a:rPr lang="en-US" dirty="0" smtClean="0"/>
-              <a:t>, projections, least-squares, QR, Gram-Schmidt, orthogonal functions, complexity. </a:t>
-            </a:r>
-            <a:r>
-              <a:rPr lang="en-US" dirty="0" smtClean="0"/>
-              <a:t>(Book: 1–4, 10.5, 11.1).</a:t>
+              <a:t>, projections, least-squares, QR, Gram-Schmidt, orthogonal functions, complexity. (Book: 1–4, 10.5, 11.1).</a:t>
             </a:r>
           </a:p>
           <a:p>
@@ -6382,7 +6370,7 @@
           <a:graphicData uri="http://schemas.openxmlformats.org/presentationml/2006/ole">
             <mc:AlternateContent xmlns:mc="http://schemas.openxmlformats.org/markup-compatibility/2006">
               <mc:Choice xmlns:v="urn:schemas-microsoft-com:vml" Requires="v">
-                <p:oleObj spid="_x0000_s1077" name="Equation" r:id="rId3" imgW="1282700" imgH="685800" progId="Equation.3">
+                <p:oleObj spid="_x0000_s1080" name="Equation" r:id="rId3" imgW="1282700" imgH="685800" progId="Equation.3">
                   <p:embed/>
                 </p:oleObj>
               </mc:Choice>
@@ -6426,7 +6414,7 @@
         <p:spPr>
           <a:xfrm>
             <a:off x="385352" y="1441390"/>
-            <a:ext cx="8688095" cy="1938992"/>
+            <a:ext cx="4762868" cy="1938992"/>
           </a:xfrm>
           <a:prstGeom prst="rect">
             <a:avLst/>
@@ -6496,11 +6484,7 @@
                   <a:srgbClr val="0000FF"/>
                 </a:solidFill>
               </a:rPr>
-              <a:t>eliminate unknowns one at a time </a:t>
-            </a:r>
-            <a:r>
-              <a:rPr lang="en-US" sz="2000" dirty="0" smtClean="0"/>
-              <a:t>by </a:t>
+              <a:t>eliminate unknowns one at a </a:t>
             </a:r>
             <a:r>
               <a:rPr lang="en-US" sz="2000" dirty="0" smtClean="0">
@@ -6508,19 +6492,7 @@
                   <a:srgbClr val="0000FF"/>
                 </a:solidFill>
               </a:rPr>
-              <a:t>subtracting</a:t>
-            </a:r>
-            <a:r>
-              <a:rPr lang="en-US" sz="2000" dirty="0" smtClean="0"/>
-              <a:t> multiples of </a:t>
-            </a:r>
-            <a:r>
-              <a:rPr lang="en-US" sz="2000" dirty="0" smtClean="0">
-                <a:solidFill>
-                  <a:srgbClr val="0000FF"/>
-                </a:solidFill>
-              </a:rPr>
-              <a:t>equations</a:t>
+              <a:t>time</a:t>
             </a:r>
             <a:r>
               <a:rPr lang="en-US" sz="2000" dirty="0" smtClean="0"/>
@@ -6654,7 +6626,7 @@
           <a:graphicData uri="http://schemas.openxmlformats.org/presentationml/2006/ole">
             <mc:AlternateContent xmlns:mc="http://schemas.openxmlformats.org/markup-compatibility/2006">
               <mc:Choice xmlns:v="urn:schemas-microsoft-com:vml" Requires="v">
-                <p:oleObj spid="_x0000_s1078" name="Equation" r:id="rId5" imgW="2082800" imgH="812800" progId="Equation.3">
+                <p:oleObj spid="_x0000_s1081" name="Equation" r:id="rId5" imgW="2082800" imgH="812800" progId="Equation.3">
                   <p:embed/>
                 </p:oleObj>
               </mc:Choice>
@@ -6757,11 +6729,6 @@
               </a:rPr>
               <a:t>x</a:t>
             </a:r>
-            <a:endParaRPr lang="en-US" sz="2800" dirty="0">
-              <a:solidFill>
-                <a:srgbClr val="FF0000"/>
-              </a:solidFill>
-            </a:endParaRPr>
           </a:p>
         </p:txBody>
       </p:sp>
@@ -7037,15 +7004,7 @@
                     <a:srgbClr val="FF0000"/>
                   </a:solidFill>
                 </a:rPr>
-                <a:t>ake “dot products” of rows </a:t>
-              </a:r>
-              <a:r>
-                <a:rPr lang="en-US" dirty="0" smtClean="0">
-                  <a:solidFill>
-                    <a:srgbClr val="FF0000"/>
-                  </a:solidFill>
-                </a:rPr>
-                <a:t>× columns</a:t>
+                <a:t>ake “dot products” of rows × columns</a:t>
               </a:r>
               <a:endParaRPr lang="en-US" dirty="0">
                 <a:solidFill>
@@ -7409,7 +7368,7 @@
           <a:graphicData uri="http://schemas.openxmlformats.org/presentationml/2006/ole">
             <mc:AlternateContent xmlns:mc="http://schemas.openxmlformats.org/markup-compatibility/2006">
               <mc:Choice xmlns:v="urn:schemas-microsoft-com:vml" Requires="v">
-                <p:oleObj spid="_x0000_s3096" name="Equation" r:id="rId3" imgW="2082800" imgH="812800" progId="Equation.3">
+                <p:oleObj spid="_x0000_s3098" name="Equation" r:id="rId3" imgW="2082800" imgH="812800" progId="Equation.3">
                   <p:embed/>
                 </p:oleObj>
               </mc:Choice>
@@ -7512,11 +7471,6 @@
               </a:rPr>
               <a:t>x</a:t>
             </a:r>
-            <a:endParaRPr lang="en-US" sz="2800" dirty="0">
-              <a:solidFill>
-                <a:srgbClr val="FF0000"/>
-              </a:solidFill>
-            </a:endParaRPr>
           </a:p>
         </p:txBody>
       </p:sp>
@@ -7984,23 +7938,15 @@
                   <a:srgbClr val="FF0000"/>
                 </a:solidFill>
               </a:rPr>
-              <a:t>Break up vectors into </a:t>
+              <a:t>Break up vectors into simpler pieces</a:t>
+            </a:r>
+            <a:r>
+              <a:rPr lang="en-US" dirty="0" smtClean="0"/>
+              <a:t>: </a:t>
             </a:r>
             <a:r>
               <a:rPr lang="en-US" dirty="0" smtClean="0">
                 <a:solidFill>
-                  <a:srgbClr val="FF0000"/>
-                </a:solidFill>
-              </a:rPr>
-              <a:t>simpler pieces</a:t>
-            </a:r>
-            <a:r>
-              <a:rPr lang="en-US" dirty="0" smtClean="0"/>
-              <a:t>: </a:t>
-            </a:r>
-            <a:r>
-              <a:rPr lang="en-US" dirty="0" smtClean="0">
-                <a:solidFill>
                   <a:srgbClr val="0000FF"/>
                 </a:solidFill>
               </a:rPr>
@@ -8010,7 +7956,6 @@
               <a:rPr lang="en-US" dirty="0" smtClean="0"/>
               <a:t> and basis choices.</a:t>
             </a:r>
-            <a:endParaRPr lang="en-US" dirty="0" smtClean="0"/>
           </a:p>
           <a:p>
             <a:pPr>

--- a/lectures/lecture1/overview.pptx
+++ b/lectures/lecture1/overview.pptx
@@ -4722,7 +4722,7 @@
           <a:graphicData uri="http://schemas.openxmlformats.org/presentationml/2006/ole">
             <mc:AlternateContent xmlns:mc="http://schemas.openxmlformats.org/markup-compatibility/2006">
               <mc:Choice xmlns:v="urn:schemas-microsoft-com:vml" Requires="v">
-                <p:oleObj spid="_x0000_s4115" name="Equation" r:id="rId3" imgW="520700" imgH="228600" progId="Equation.3">
+                <p:oleObj spid="_x0000_s4117" name="Equation" r:id="rId3" imgW="520700" imgH="228600" progId="Equation.3">
                   <p:embed/>
                 </p:oleObj>
               </mc:Choice>
@@ -6370,7 +6370,7 @@
           <a:graphicData uri="http://schemas.openxmlformats.org/presentationml/2006/ole">
             <mc:AlternateContent xmlns:mc="http://schemas.openxmlformats.org/markup-compatibility/2006">
               <mc:Choice xmlns:v="urn:schemas-microsoft-com:vml" Requires="v">
-                <p:oleObj spid="_x0000_s1080" name="Equation" r:id="rId3" imgW="1282700" imgH="685800" progId="Equation.3">
+                <p:oleObj spid="_x0000_s1083" name="Equation" r:id="rId3" imgW="1282700" imgH="685800" progId="Equation.3">
                   <p:embed/>
                 </p:oleObj>
               </mc:Choice>
@@ -6484,15 +6484,7 @@
                   <a:srgbClr val="0000FF"/>
                 </a:solidFill>
               </a:rPr>
-              <a:t>eliminate unknowns one at a </a:t>
-            </a:r>
-            <a:r>
-              <a:rPr lang="en-US" sz="2000" dirty="0" smtClean="0">
-                <a:solidFill>
-                  <a:srgbClr val="0000FF"/>
-                </a:solidFill>
-              </a:rPr>
-              <a:t>time</a:t>
+              <a:t>eliminate unknowns one at a time</a:t>
             </a:r>
             <a:r>
               <a:rPr lang="en-US" sz="2000" dirty="0" smtClean="0"/>
@@ -6626,7 +6618,7 @@
           <a:graphicData uri="http://schemas.openxmlformats.org/presentationml/2006/ole">
             <mc:AlternateContent xmlns:mc="http://schemas.openxmlformats.org/markup-compatibility/2006">
               <mc:Choice xmlns:v="urn:schemas-microsoft-com:vml" Requires="v">
-                <p:oleObj spid="_x0000_s1081" name="Equation" r:id="rId5" imgW="2082800" imgH="812800" progId="Equation.3">
+                <p:oleObj spid="_x0000_s1084" name="Equation" r:id="rId5" imgW="2082800" imgH="812800" progId="Equation.3">
                   <p:embed/>
                 </p:oleObj>
               </mc:Choice>
@@ -7368,7 +7360,7 @@
           <a:graphicData uri="http://schemas.openxmlformats.org/presentationml/2006/ole">
             <mc:AlternateContent xmlns:mc="http://schemas.openxmlformats.org/markup-compatibility/2006">
               <mc:Choice xmlns:v="urn:schemas-microsoft-com:vml" Requires="v">
-                <p:oleObj spid="_x0000_s3098" name="Equation" r:id="rId3" imgW="2082800" imgH="812800" progId="Equation.3">
+                <p:oleObj spid="_x0000_s3100" name="Equation" r:id="rId3" imgW="2082800" imgH="812800" progId="Equation.3">
                   <p:embed/>
                 </p:oleObj>
               </mc:Choice>
@@ -7989,8 +7981,21 @@
             </a:r>
             <a:r>
               <a:rPr lang="en-US" dirty="0" smtClean="0"/>
-              <a:t>ones.</a:t>
-            </a:r>
+              <a:t>ones: </a:t>
+            </a:r>
+            <a:r>
+              <a:rPr lang="en-US" dirty="0" smtClean="0">
+                <a:solidFill>
+                  <a:srgbClr val="0000FF"/>
+                </a:solidFill>
+              </a:rPr>
+              <a:t>algebra on whole matrices at once</a:t>
+            </a:r>
+            <a:endParaRPr lang="en-US" dirty="0" smtClean="0">
+              <a:solidFill>
+                <a:srgbClr val="0000FF"/>
+              </a:solidFill>
+            </a:endParaRPr>
           </a:p>
           <a:p>
             <a:pPr>

--- a/lectures/lecture1/overview.pptx
+++ b/lectures/lecture1/overview.pptx
@@ -4722,7 +4722,7 @@
           <a:graphicData uri="http://schemas.openxmlformats.org/presentationml/2006/ole">
             <mc:AlternateContent xmlns:mc="http://schemas.openxmlformats.org/markup-compatibility/2006">
               <mc:Choice xmlns:v="urn:schemas-microsoft-com:vml" Requires="v">
-                <p:oleObj spid="_x0000_s4117" name="Equation" r:id="rId3" imgW="520700" imgH="228600" progId="Equation.3">
+                <p:oleObj spid="_x0000_s4119" name="Equation" r:id="rId3" imgW="520700" imgH="228600" progId="Equation.3">
                   <p:embed/>
                 </p:oleObj>
               </mc:Choice>
@@ -6370,7 +6370,7 @@
           <a:graphicData uri="http://schemas.openxmlformats.org/presentationml/2006/ole">
             <mc:AlternateContent xmlns:mc="http://schemas.openxmlformats.org/markup-compatibility/2006">
               <mc:Choice xmlns:v="urn:schemas-microsoft-com:vml" Requires="v">
-                <p:oleObj spid="_x0000_s1083" name="Equation" r:id="rId3" imgW="1282700" imgH="685800" progId="Equation.3">
+                <p:oleObj spid="_x0000_s1086" name="Equation" r:id="rId3" imgW="1282700" imgH="685800" progId="Equation.3">
                   <p:embed/>
                 </p:oleObj>
               </mc:Choice>
@@ -6618,7 +6618,7 @@
           <a:graphicData uri="http://schemas.openxmlformats.org/presentationml/2006/ole">
             <mc:AlternateContent xmlns:mc="http://schemas.openxmlformats.org/markup-compatibility/2006">
               <mc:Choice xmlns:v="urn:schemas-microsoft-com:vml" Requires="v">
-                <p:oleObj spid="_x0000_s1084" name="Equation" r:id="rId5" imgW="2082800" imgH="812800" progId="Equation.3">
+                <p:oleObj spid="_x0000_s1087" name="Equation" r:id="rId5" imgW="2082800" imgH="812800" progId="Equation.3">
                   <p:embed/>
                 </p:oleObj>
               </mc:Choice>
@@ -7360,7 +7360,7 @@
           <a:graphicData uri="http://schemas.openxmlformats.org/presentationml/2006/ole">
             <mc:AlternateContent xmlns:mc="http://schemas.openxmlformats.org/markup-compatibility/2006">
               <mc:Choice xmlns:v="urn:schemas-microsoft-com:vml" Requires="v">
-                <p:oleObj spid="_x0000_s3100" name="Equation" r:id="rId3" imgW="2082800" imgH="812800" progId="Equation.3">
+                <p:oleObj spid="_x0000_s3102" name="Equation" r:id="rId3" imgW="2082800" imgH="812800" progId="Equation.3">
                   <p:embed/>
                 </p:oleObj>
               </mc:Choice>
@@ -7991,11 +7991,6 @@
               </a:rPr>
               <a:t>algebra on whole matrices at once</a:t>
             </a:r>
-            <a:endParaRPr lang="en-US" dirty="0" smtClean="0">
-              <a:solidFill>
-                <a:srgbClr val="0000FF"/>
-              </a:solidFill>
-            </a:endParaRPr>
           </a:p>
           <a:p>
             <a:pPr>
@@ -8203,13 +8198,13 @@
         </p:nvSpPr>
         <p:spPr>
           <a:xfrm>
-            <a:off x="457200" y="1907556"/>
-            <a:ext cx="8229600" cy="1143000"/>
+            <a:off x="457200" y="545430"/>
+            <a:ext cx="8229600" cy="5732642"/>
           </a:xfrm>
         </p:spPr>
         <p:txBody>
           <a:bodyPr>
-            <a:normAutofit fontScale="90000"/>
+            <a:normAutofit/>
           </a:bodyPr>
           <a:lstStyle/>
           <a:p>
@@ -8222,7 +8217,39 @@
             </a:br>
             <a:r>
               <a:rPr lang="en-US" dirty="0" smtClean="0"/>
-              <a:t>come from?</a:t>
+              <a:t>come from</a:t>
+            </a:r>
+            <a:r>
+              <a:rPr lang="en-US" dirty="0" smtClean="0"/>
+              <a:t>?</a:t>
+            </a:r>
+            <a:br>
+              <a:rPr lang="en-US" dirty="0" smtClean="0"/>
+            </a:br>
+            <a:r>
+              <a:rPr lang="en-US" dirty="0"/>
+              <a:t/>
+            </a:r>
+            <a:br>
+              <a:rPr lang="en-US" dirty="0"/>
+            </a:br>
+            <a:r>
+              <a:rPr lang="en-US" sz="3200" dirty="0" smtClean="0"/>
+              <a:t>Lots of examples in many fields,</a:t>
+            </a:r>
+            <a:br>
+              <a:rPr lang="en-US" sz="3200" dirty="0" smtClean="0"/>
+            </a:br>
+            <a:r>
+              <a:rPr lang="en-US" sz="3200" dirty="0" smtClean="0"/>
+              <a:t>but here are a couple that are</a:t>
+            </a:r>
+            <a:br>
+              <a:rPr lang="en-US" sz="3200" dirty="0" smtClean="0"/>
+            </a:br>
+            <a:r>
+              <a:rPr lang="en-US" sz="3200" dirty="0" smtClean="0"/>
+              <a:t>relatively easy to understand…</a:t>
             </a:r>
             <a:endParaRPr lang="en-US" dirty="0"/>
           </a:p>

--- a/lectures/lecture1/overview.pptx
+++ b/lectures/lecture1/overview.pptx
@@ -18,7 +18,8 @@
     <p:sldId id="265" r:id="rId12"/>
     <p:sldId id="263" r:id="rId13"/>
     <p:sldId id="267" r:id="rId14"/>
-    <p:sldId id="269" r:id="rId15"/>
+    <p:sldId id="270" r:id="rId15"/>
+    <p:sldId id="269" r:id="rId16"/>
   </p:sldIdLst>
   <p:sldSz cx="9144000" cy="6858000" type="screen4x3"/>
   <p:notesSz cx="6858000" cy="9144000"/>
@@ -301,7 +302,7 @@
           <a:p>
             <a:fld id="{0DBCF7F0-66B2-E246-9655-E9BA5C294290}" type="datetimeFigureOut">
               <a:rPr lang="en-US" smtClean="0"/>
-              <a:t>2/7/17</a:t>
+              <a:t>2/8/17</a:t>
             </a:fld>
             <a:endParaRPr lang="en-US"/>
           </a:p>
@@ -471,7 +472,7 @@
           <a:p>
             <a:fld id="{0DBCF7F0-66B2-E246-9655-E9BA5C294290}" type="datetimeFigureOut">
               <a:rPr lang="en-US" smtClean="0"/>
-              <a:t>2/7/17</a:t>
+              <a:t>2/8/17</a:t>
             </a:fld>
             <a:endParaRPr lang="en-US"/>
           </a:p>
@@ -651,7 +652,7 @@
           <a:p>
             <a:fld id="{0DBCF7F0-66B2-E246-9655-E9BA5C294290}" type="datetimeFigureOut">
               <a:rPr lang="en-US" smtClean="0"/>
-              <a:t>2/7/17</a:t>
+              <a:t>2/8/17</a:t>
             </a:fld>
             <a:endParaRPr lang="en-US"/>
           </a:p>
@@ -821,7 +822,7 @@
           <a:p>
             <a:fld id="{0DBCF7F0-66B2-E246-9655-E9BA5C294290}" type="datetimeFigureOut">
               <a:rPr lang="en-US" smtClean="0"/>
-              <a:t>2/7/17</a:t>
+              <a:t>2/8/17</a:t>
             </a:fld>
             <a:endParaRPr lang="en-US"/>
           </a:p>
@@ -1067,7 +1068,7 @@
           <a:p>
             <a:fld id="{0DBCF7F0-66B2-E246-9655-E9BA5C294290}" type="datetimeFigureOut">
               <a:rPr lang="en-US" smtClean="0"/>
-              <a:t>2/7/17</a:t>
+              <a:t>2/8/17</a:t>
             </a:fld>
             <a:endParaRPr lang="en-US"/>
           </a:p>
@@ -1355,7 +1356,7 @@
           <a:p>
             <a:fld id="{0DBCF7F0-66B2-E246-9655-E9BA5C294290}" type="datetimeFigureOut">
               <a:rPr lang="en-US" smtClean="0"/>
-              <a:t>2/7/17</a:t>
+              <a:t>2/8/17</a:t>
             </a:fld>
             <a:endParaRPr lang="en-US"/>
           </a:p>
@@ -1777,7 +1778,7 @@
           <a:p>
             <a:fld id="{0DBCF7F0-66B2-E246-9655-E9BA5C294290}" type="datetimeFigureOut">
               <a:rPr lang="en-US" smtClean="0"/>
-              <a:t>2/7/17</a:t>
+              <a:t>2/8/17</a:t>
             </a:fld>
             <a:endParaRPr lang="en-US"/>
           </a:p>
@@ -1895,7 +1896,7 @@
           <a:p>
             <a:fld id="{0DBCF7F0-66B2-E246-9655-E9BA5C294290}" type="datetimeFigureOut">
               <a:rPr lang="en-US" smtClean="0"/>
-              <a:t>2/7/17</a:t>
+              <a:t>2/8/17</a:t>
             </a:fld>
             <a:endParaRPr lang="en-US"/>
           </a:p>
@@ -1990,7 +1991,7 @@
           <a:p>
             <a:fld id="{0DBCF7F0-66B2-E246-9655-E9BA5C294290}" type="datetimeFigureOut">
               <a:rPr lang="en-US" smtClean="0"/>
-              <a:t>2/7/17</a:t>
+              <a:t>2/8/17</a:t>
             </a:fld>
             <a:endParaRPr lang="en-US"/>
           </a:p>
@@ -2267,7 +2268,7 @@
           <a:p>
             <a:fld id="{0DBCF7F0-66B2-E246-9655-E9BA5C294290}" type="datetimeFigureOut">
               <a:rPr lang="en-US" smtClean="0"/>
-              <a:t>2/7/17</a:t>
+              <a:t>2/8/17</a:t>
             </a:fld>
             <a:endParaRPr lang="en-US"/>
           </a:p>
@@ -2520,7 +2521,7 @@
           <a:p>
             <a:fld id="{0DBCF7F0-66B2-E246-9655-E9BA5C294290}" type="datetimeFigureOut">
               <a:rPr lang="en-US" smtClean="0"/>
-              <a:t>2/7/17</a:t>
+              <a:t>2/8/17</a:t>
             </a:fld>
             <a:endParaRPr lang="en-US"/>
           </a:p>
@@ -2733,7 +2734,7 @@
           <a:p>
             <a:fld id="{0DBCF7F0-66B2-E246-9655-E9BA5C294290}" type="datetimeFigureOut">
               <a:rPr lang="en-US" smtClean="0"/>
-              <a:t>2/7/17</a:t>
+              <a:t>2/8/17</a:t>
             </a:fld>
             <a:endParaRPr lang="en-US"/>
           </a:p>
@@ -4722,7 +4723,7 @@
           <a:graphicData uri="http://schemas.openxmlformats.org/presentationml/2006/ole">
             <mc:AlternateContent xmlns:mc="http://schemas.openxmlformats.org/markup-compatibility/2006">
               <mc:Choice xmlns:v="urn:schemas-microsoft-com:vml" Requires="v">
-                <p:oleObj spid="_x0000_s4119" name="Equation" r:id="rId3" imgW="520700" imgH="228600" progId="Equation.3">
+                <p:oleObj spid="_x0000_s4121" name="Equation" r:id="rId3" imgW="520700" imgH="228600" progId="Equation.3">
                   <p:embed/>
                 </p:oleObj>
               </mc:Choice>
@@ -4945,7 +4946,7 @@
         </p:nvSpPr>
         <p:spPr>
           <a:xfrm>
-            <a:off x="457200" y="385518"/>
+            <a:off x="457200" y="6358"/>
             <a:ext cx="8229600" cy="1143000"/>
           </a:xfrm>
         </p:spPr>
@@ -4997,8 +4998,8 @@
         </p:nvSpPr>
         <p:spPr>
           <a:xfrm>
-            <a:off x="1350561" y="1780511"/>
-            <a:ext cx="6937792" cy="4647427"/>
+            <a:off x="1350561" y="1401351"/>
+            <a:ext cx="6937792" cy="4216539"/>
           </a:xfrm>
           <a:prstGeom prst="rect">
             <a:avLst/>
@@ -5202,10 +5203,16 @@
                   <a:srgbClr val="3366FF"/>
                 </a:solidFill>
               </a:rPr>
-              <a:t>pencil-and-paper</a:t>
-            </a:r>
-          </a:p>
-          <a:p>
+              <a:t>pencil-and-</a:t>
+            </a:r>
+            <a:r>
+              <a:rPr lang="en-US" sz="2800" dirty="0" smtClean="0">
+                <a:solidFill>
+                  <a:srgbClr val="3366FF"/>
+                </a:solidFill>
+              </a:rPr>
+              <a:t>paper</a:t>
+            </a:r>
             <a:endParaRPr lang="en-US" sz="2800" dirty="0" smtClean="0">
               <a:solidFill>
                 <a:srgbClr val="3366FF"/>
@@ -5228,6 +5235,249 @@
 </file>
 
 <file path=ppt/slides/slide14.xml><?xml version="1.0" encoding="utf-8"?>
+<p:sld xmlns:a="http://schemas.openxmlformats.org/drawingml/2006/main" xmlns:r="http://schemas.openxmlformats.org/officeDocument/2006/relationships" xmlns:p="http://schemas.openxmlformats.org/presentationml/2006/main">
+  <p:cSld>
+    <p:spTree>
+      <p:nvGrpSpPr>
+        <p:cNvPr id="1" name=""/>
+        <p:cNvGrpSpPr/>
+        <p:nvPr/>
+      </p:nvGrpSpPr>
+      <p:grpSpPr>
+        <a:xfrm>
+          <a:off x="0" y="0"/>
+          <a:ext cx="0" cy="0"/>
+          <a:chOff x="0" y="0"/>
+          <a:chExt cx="0" cy="0"/>
+        </a:xfrm>
+      </p:grpSpPr>
+      <p:sp>
+        <p:nvSpPr>
+          <p:cNvPr id="2" name="Title 1"/>
+          <p:cNvSpPr>
+            <a:spLocks noGrp="1"/>
+          </p:cNvSpPr>
+          <p:nvPr>
+            <p:ph type="title"/>
+          </p:nvPr>
+        </p:nvSpPr>
+        <p:spPr>
+          <a:xfrm>
+            <a:off x="457200" y="6358"/>
+            <a:ext cx="8229600" cy="1143000"/>
+          </a:xfrm>
+        </p:spPr>
+        <p:txBody>
+          <a:bodyPr/>
+          <a:lstStyle/>
+          <a:p>
+            <a:r>
+              <a:rPr lang="en-US" dirty="0" smtClean="0">
+                <a:solidFill>
+                  <a:srgbClr val="FF0000"/>
+                </a:solidFill>
+              </a:rPr>
+              <a:t>18.06</a:t>
+            </a:r>
+            <a:r>
+              <a:rPr lang="en-US" dirty="0" smtClean="0">
+                <a:solidFill>
+                  <a:srgbClr val="3366FF"/>
+                </a:solidFill>
+              </a:rPr>
+              <a:t> </a:t>
+            </a:r>
+            <a:r>
+              <a:rPr lang="en-US" dirty="0" smtClean="0"/>
+              <a:t>vs. </a:t>
+            </a:r>
+            <a:r>
+              <a:rPr lang="en-US" dirty="0" smtClean="0">
+                <a:solidFill>
+                  <a:srgbClr val="3366FF"/>
+                </a:solidFill>
+              </a:rPr>
+              <a:t>18.700</a:t>
+            </a:r>
+            <a:endParaRPr lang="en-US" dirty="0">
+              <a:solidFill>
+                <a:srgbClr val="3366FF"/>
+              </a:solidFill>
+            </a:endParaRPr>
+          </a:p>
+        </p:txBody>
+      </p:sp>
+      <p:sp>
+        <p:nvSpPr>
+          <p:cNvPr id="4" name="Rectangle 3"/>
+          <p:cNvSpPr/>
+          <p:nvPr/>
+        </p:nvSpPr>
+        <p:spPr>
+          <a:xfrm>
+            <a:off x="2001660" y="5901380"/>
+            <a:ext cx="4572000" cy="523220"/>
+          </a:xfrm>
+          <a:prstGeom prst="rect">
+            <a:avLst/>
+          </a:prstGeom>
+        </p:spPr>
+        <p:txBody>
+          <a:bodyPr>
+            <a:spAutoFit/>
+          </a:bodyPr>
+          <a:lstStyle/>
+          <a:p>
+            <a:r>
+              <a:rPr lang="en-US" sz="2800" dirty="0" smtClean="0"/>
+              <a:t>     </a:t>
+            </a:r>
+            <a:r>
+              <a:rPr lang="en-US" sz="2800" dirty="0"/>
+              <a:t>some </a:t>
+            </a:r>
+            <a:r>
+              <a:rPr lang="en-US" sz="2800" dirty="0">
+                <a:solidFill>
+                  <a:srgbClr val="FF0000"/>
+                </a:solidFill>
+              </a:rPr>
+              <a:t>puppy </a:t>
+            </a:r>
+            <a:r>
+              <a:rPr lang="en-US" sz="2800" dirty="0"/>
+              <a:t>vs. </a:t>
+            </a:r>
+            <a:r>
+              <a:rPr lang="en-US" sz="2800" dirty="0">
+                <a:solidFill>
+                  <a:srgbClr val="3366FF"/>
+                </a:solidFill>
+              </a:rPr>
+              <a:t>no puppies</a:t>
+            </a:r>
+            <a:endParaRPr lang="en-US" sz="2800" dirty="0">
+              <a:solidFill>
+                <a:srgbClr val="3366FF"/>
+              </a:solidFill>
+            </a:endParaRPr>
+          </a:p>
+        </p:txBody>
+      </p:sp>
+      <p:pic>
+        <p:nvPicPr>
+          <p:cNvPr id="5" name="Picture 4" descr="28800402880_dedda6448c_z.jpg"/>
+          <p:cNvPicPr>
+            <a:picLocks noChangeAspect="1"/>
+          </p:cNvPicPr>
+          <p:nvPr/>
+        </p:nvPicPr>
+        <p:blipFill>
+          <a:blip r:embed="rId2">
+            <a:extLst>
+              <a:ext uri="{28A0092B-C50C-407E-A947-70E740481C1C}">
+                <a14:useLocalDpi xmlns:a14="http://schemas.microsoft.com/office/drawing/2010/main" val="0"/>
+              </a:ext>
+            </a:extLst>
+          </a:blip>
+          <a:stretch>
+            <a:fillRect/>
+          </a:stretch>
+        </p:blipFill>
+        <p:spPr>
+          <a:xfrm>
+            <a:off x="1309244" y="1149358"/>
+            <a:ext cx="3335025" cy="4650144"/>
+          </a:xfrm>
+          <a:prstGeom prst="rect">
+            <a:avLst/>
+          </a:prstGeom>
+        </p:spPr>
+      </p:pic>
+      <p:sp>
+        <p:nvSpPr>
+          <p:cNvPr id="6" name="TextBox 5"/>
+          <p:cNvSpPr txBox="1"/>
+          <p:nvPr/>
+        </p:nvSpPr>
+        <p:spPr>
+          <a:xfrm>
+            <a:off x="4789528" y="1364964"/>
+            <a:ext cx="4157801" cy="3970318"/>
+          </a:xfrm>
+          <a:prstGeom prst="rect">
+            <a:avLst/>
+          </a:prstGeom>
+          <a:noFill/>
+        </p:spPr>
+        <p:txBody>
+          <a:bodyPr wrap="square" rtlCol="0">
+            <a:spAutoFit/>
+          </a:bodyPr>
+          <a:lstStyle/>
+          <a:p>
+            <a:r>
+              <a:rPr lang="en-US" sz="2800" dirty="0" smtClean="0">
+                <a:solidFill>
+                  <a:srgbClr val="FF0000"/>
+                </a:solidFill>
+              </a:rPr>
+              <a:t>“Cookie”</a:t>
+            </a:r>
+          </a:p>
+          <a:p>
+            <a:endParaRPr lang="en-US" sz="2800" dirty="0"/>
+          </a:p>
+          <a:p>
+            <a:r>
+              <a:rPr lang="en-US" sz="2800" dirty="0" smtClean="0"/>
+              <a:t>9-month old</a:t>
+            </a:r>
+          </a:p>
+          <a:p>
+            <a:r>
+              <a:rPr lang="en-US" sz="2800" dirty="0" err="1" smtClean="0"/>
+              <a:t>Labradoodle</a:t>
+            </a:r>
+            <a:r>
+              <a:rPr lang="en-US" sz="2800" dirty="0" smtClean="0"/>
+              <a:t> puppy</a:t>
+            </a:r>
+          </a:p>
+          <a:p>
+            <a:endParaRPr lang="en-US" sz="2800" dirty="0"/>
+          </a:p>
+          <a:p>
+            <a:r>
+              <a:rPr lang="en-US" sz="2800" dirty="0" smtClean="0"/>
+              <a:t>(Let me know privately if you don’t want to be in room with a dog, no questions</a:t>
+            </a:r>
+            <a:r>
+              <a:rPr lang="en-US" sz="2800" dirty="0"/>
+              <a:t> </a:t>
+            </a:r>
+            <a:r>
+              <a:rPr lang="en-US" sz="2800" dirty="0" smtClean="0"/>
+              <a:t>asked.)</a:t>
+            </a:r>
+            <a:endParaRPr lang="en-US" sz="2800" dirty="0"/>
+          </a:p>
+        </p:txBody>
+      </p:sp>
+    </p:spTree>
+    <p:extLst>
+      <p:ext uri="{BB962C8B-B14F-4D97-AF65-F5344CB8AC3E}">
+        <p14:creationId xmlns:p14="http://schemas.microsoft.com/office/powerpoint/2010/main" val="3687280445"/>
+      </p:ext>
+    </p:extLst>
+  </p:cSld>
+  <p:clrMapOvr>
+    <a:masterClrMapping/>
+  </p:clrMapOvr>
+</p:sld>
+</file>
+
+<file path=ppt/slides/slide15.xml><?xml version="1.0" encoding="utf-8"?>
 <p:sld xmlns:a="http://schemas.openxmlformats.org/drawingml/2006/main" xmlns:r="http://schemas.openxmlformats.org/officeDocument/2006/relationships" xmlns:p="http://schemas.openxmlformats.org/presentationml/2006/main">
   <p:cSld>
     <p:spTree>
@@ -6370,7 +6620,7 @@
           <a:graphicData uri="http://schemas.openxmlformats.org/presentationml/2006/ole">
             <mc:AlternateContent xmlns:mc="http://schemas.openxmlformats.org/markup-compatibility/2006">
               <mc:Choice xmlns:v="urn:schemas-microsoft-com:vml" Requires="v">
-                <p:oleObj spid="_x0000_s1086" name="Equation" r:id="rId3" imgW="1282700" imgH="685800" progId="Equation.3">
+                <p:oleObj spid="_x0000_s1089" name="Equation" r:id="rId3" imgW="1282700" imgH="685800" progId="Equation.3">
                   <p:embed/>
                 </p:oleObj>
               </mc:Choice>
@@ -6618,7 +6868,7 @@
           <a:graphicData uri="http://schemas.openxmlformats.org/presentationml/2006/ole">
             <mc:AlternateContent xmlns:mc="http://schemas.openxmlformats.org/markup-compatibility/2006">
               <mc:Choice xmlns:v="urn:schemas-microsoft-com:vml" Requires="v">
-                <p:oleObj spid="_x0000_s1087" name="Equation" r:id="rId5" imgW="2082800" imgH="812800" progId="Equation.3">
+                <p:oleObj spid="_x0000_s1090" name="Equation" r:id="rId5" imgW="2082800" imgH="812800" progId="Equation.3">
                   <p:embed/>
                 </p:oleObj>
               </mc:Choice>
@@ -7360,7 +7610,7 @@
           <a:graphicData uri="http://schemas.openxmlformats.org/presentationml/2006/ole">
             <mc:AlternateContent xmlns:mc="http://schemas.openxmlformats.org/markup-compatibility/2006">
               <mc:Choice xmlns:v="urn:schemas-microsoft-com:vml" Requires="v">
-                <p:oleObj spid="_x0000_s3102" name="Equation" r:id="rId3" imgW="2082800" imgH="812800" progId="Equation.3">
+                <p:oleObj spid="_x0000_s3104" name="Equation" r:id="rId3" imgW="2082800" imgH="812800" progId="Equation.3">
                   <p:embed/>
                 </p:oleObj>
               </mc:Choice>
@@ -8217,11 +8467,7 @@
             </a:br>
             <a:r>
               <a:rPr lang="en-US" dirty="0" smtClean="0"/>
-              <a:t>come from</a:t>
-            </a:r>
-            <a:r>
-              <a:rPr lang="en-US" dirty="0" smtClean="0"/>
-              <a:t>?</a:t>
+              <a:t>come from?</a:t>
             </a:r>
             <a:br>
               <a:rPr lang="en-US" dirty="0" smtClean="0"/>

--- a/lectures/lecture1/overview.pptx
+++ b/lectures/lecture1/overview.pptx
@@ -302,7 +302,7 @@
           <a:p>
             <a:fld id="{0DBCF7F0-66B2-E246-9655-E9BA5C294290}" type="datetimeFigureOut">
               <a:rPr lang="en-US" smtClean="0"/>
-              <a:t>2/8/17</a:t>
+              <a:t>3/3/17</a:t>
             </a:fld>
             <a:endParaRPr lang="en-US"/>
           </a:p>
@@ -472,7 +472,7 @@
           <a:p>
             <a:fld id="{0DBCF7F0-66B2-E246-9655-E9BA5C294290}" type="datetimeFigureOut">
               <a:rPr lang="en-US" smtClean="0"/>
-              <a:t>2/8/17</a:t>
+              <a:t>3/3/17</a:t>
             </a:fld>
             <a:endParaRPr lang="en-US"/>
           </a:p>
@@ -652,7 +652,7 @@
           <a:p>
             <a:fld id="{0DBCF7F0-66B2-E246-9655-E9BA5C294290}" type="datetimeFigureOut">
               <a:rPr lang="en-US" smtClean="0"/>
-              <a:t>2/8/17</a:t>
+              <a:t>3/3/17</a:t>
             </a:fld>
             <a:endParaRPr lang="en-US"/>
           </a:p>
@@ -822,7 +822,7 @@
           <a:p>
             <a:fld id="{0DBCF7F0-66B2-E246-9655-E9BA5C294290}" type="datetimeFigureOut">
               <a:rPr lang="en-US" smtClean="0"/>
-              <a:t>2/8/17</a:t>
+              <a:t>3/3/17</a:t>
             </a:fld>
             <a:endParaRPr lang="en-US"/>
           </a:p>
@@ -1068,7 +1068,7 @@
           <a:p>
             <a:fld id="{0DBCF7F0-66B2-E246-9655-E9BA5C294290}" type="datetimeFigureOut">
               <a:rPr lang="en-US" smtClean="0"/>
-              <a:t>2/8/17</a:t>
+              <a:t>3/3/17</a:t>
             </a:fld>
             <a:endParaRPr lang="en-US"/>
           </a:p>
@@ -1356,7 +1356,7 @@
           <a:p>
             <a:fld id="{0DBCF7F0-66B2-E246-9655-E9BA5C294290}" type="datetimeFigureOut">
               <a:rPr lang="en-US" smtClean="0"/>
-              <a:t>2/8/17</a:t>
+              <a:t>3/3/17</a:t>
             </a:fld>
             <a:endParaRPr lang="en-US"/>
           </a:p>
@@ -1778,7 +1778,7 @@
           <a:p>
             <a:fld id="{0DBCF7F0-66B2-E246-9655-E9BA5C294290}" type="datetimeFigureOut">
               <a:rPr lang="en-US" smtClean="0"/>
-              <a:t>2/8/17</a:t>
+              <a:t>3/3/17</a:t>
             </a:fld>
             <a:endParaRPr lang="en-US"/>
           </a:p>
@@ -1896,7 +1896,7 @@
           <a:p>
             <a:fld id="{0DBCF7F0-66B2-E246-9655-E9BA5C294290}" type="datetimeFigureOut">
               <a:rPr lang="en-US" smtClean="0"/>
-              <a:t>2/8/17</a:t>
+              <a:t>3/3/17</a:t>
             </a:fld>
             <a:endParaRPr lang="en-US"/>
           </a:p>
@@ -1991,7 +1991,7 @@
           <a:p>
             <a:fld id="{0DBCF7F0-66B2-E246-9655-E9BA5C294290}" type="datetimeFigureOut">
               <a:rPr lang="en-US" smtClean="0"/>
-              <a:t>2/8/17</a:t>
+              <a:t>3/3/17</a:t>
             </a:fld>
             <a:endParaRPr lang="en-US"/>
           </a:p>
@@ -2268,7 +2268,7 @@
           <a:p>
             <a:fld id="{0DBCF7F0-66B2-E246-9655-E9BA5C294290}" type="datetimeFigureOut">
               <a:rPr lang="en-US" smtClean="0"/>
-              <a:t>2/8/17</a:t>
+              <a:t>3/3/17</a:t>
             </a:fld>
             <a:endParaRPr lang="en-US"/>
           </a:p>
@@ -2521,7 +2521,7 @@
           <a:p>
             <a:fld id="{0DBCF7F0-66B2-E246-9655-E9BA5C294290}" type="datetimeFigureOut">
               <a:rPr lang="en-US" smtClean="0"/>
-              <a:t>2/8/17</a:t>
+              <a:t>3/3/17</a:t>
             </a:fld>
             <a:endParaRPr lang="en-US"/>
           </a:p>
@@ -2734,7 +2734,7 @@
           <a:p>
             <a:fld id="{0DBCF7F0-66B2-E246-9655-E9BA5C294290}" type="datetimeFigureOut">
               <a:rPr lang="en-US" smtClean="0"/>
-              <a:t>2/8/17</a:t>
+              <a:t>3/3/17</a:t>
             </a:fld>
             <a:endParaRPr lang="en-US"/>
           </a:p>
@@ -4723,7 +4723,7 @@
           <a:graphicData uri="http://schemas.openxmlformats.org/presentationml/2006/ole">
             <mc:AlternateContent xmlns:mc="http://schemas.openxmlformats.org/markup-compatibility/2006">
               <mc:Choice xmlns:v="urn:schemas-microsoft-com:vml" Requires="v">
-                <p:oleObj spid="_x0000_s4121" name="Equation" r:id="rId3" imgW="520700" imgH="228600" progId="Equation.3">
+                <p:oleObj spid="_x0000_s4123" name="Equation" r:id="rId3" imgW="520700" imgH="228600" progId="Equation.3">
                   <p:embed/>
                 </p:oleObj>
               </mc:Choice>
@@ -5203,21 +5203,8 @@
                   <a:srgbClr val="3366FF"/>
                 </a:solidFill>
               </a:rPr>
-              <a:t>pencil-and-</a:t>
-            </a:r>
-            <a:r>
-              <a:rPr lang="en-US" sz="2800" dirty="0" smtClean="0">
-                <a:solidFill>
-                  <a:srgbClr val="3366FF"/>
-                </a:solidFill>
-              </a:rPr>
-              <a:t>paper</a:t>
-            </a:r>
-            <a:endParaRPr lang="en-US" sz="2800" dirty="0" smtClean="0">
-              <a:solidFill>
-                <a:srgbClr val="3366FF"/>
-              </a:solidFill>
-            </a:endParaRPr>
+              <a:t>pencil-and-paper</a:t>
+            </a:r>
           </a:p>
         </p:txBody>
       </p:sp>
@@ -5356,11 +5343,6 @@
               </a:rPr>
               <a:t>no puppies</a:t>
             </a:r>
-            <a:endParaRPr lang="en-US" sz="2800" dirty="0">
-              <a:solidFill>
-                <a:srgbClr val="3366FF"/>
-              </a:solidFill>
-            </a:endParaRPr>
           </a:p>
         </p:txBody>
       </p:sp>
@@ -6155,7 +6137,19 @@
             </a:r>
             <a:r>
               <a:rPr lang="en-US" sz="2000" dirty="0" smtClean="0"/>
-              <a:t>(3/3, 4/10, &amp; 5/5 in 54-340), </a:t>
+              <a:t>(3/3, 4/10, &amp; 5/5 </a:t>
+            </a:r>
+            <a:r>
+              <a:rPr lang="en-US" sz="2000" smtClean="0"/>
+              <a:t>in </a:t>
+            </a:r>
+            <a:r>
+              <a:rPr lang="en-US" sz="2000" smtClean="0"/>
+              <a:t>50-</a:t>
+            </a:r>
+            <a:r>
+              <a:rPr lang="en-US" sz="2000" dirty="0" smtClean="0"/>
+              <a:t>340), </a:t>
             </a:r>
             <a:r>
               <a:rPr lang="en-US" sz="2000" dirty="0" smtClean="0">
@@ -6620,7 +6614,7 @@
           <a:graphicData uri="http://schemas.openxmlformats.org/presentationml/2006/ole">
             <mc:AlternateContent xmlns:mc="http://schemas.openxmlformats.org/markup-compatibility/2006">
               <mc:Choice xmlns:v="urn:schemas-microsoft-com:vml" Requires="v">
-                <p:oleObj spid="_x0000_s1089" name="Equation" r:id="rId3" imgW="1282700" imgH="685800" progId="Equation.3">
+                <p:oleObj spid="_x0000_s1092" name="Equation" r:id="rId3" imgW="1282700" imgH="685800" progId="Equation.3">
                   <p:embed/>
                 </p:oleObj>
               </mc:Choice>
@@ -6868,7 +6862,7 @@
           <a:graphicData uri="http://schemas.openxmlformats.org/presentationml/2006/ole">
             <mc:AlternateContent xmlns:mc="http://schemas.openxmlformats.org/markup-compatibility/2006">
               <mc:Choice xmlns:v="urn:schemas-microsoft-com:vml" Requires="v">
-                <p:oleObj spid="_x0000_s1090" name="Equation" r:id="rId5" imgW="2082800" imgH="812800" progId="Equation.3">
+                <p:oleObj spid="_x0000_s1093" name="Equation" r:id="rId5" imgW="2082800" imgH="812800" progId="Equation.3">
                   <p:embed/>
                 </p:oleObj>
               </mc:Choice>
@@ -7610,7 +7604,7 @@
           <a:graphicData uri="http://schemas.openxmlformats.org/presentationml/2006/ole">
             <mc:AlternateContent xmlns:mc="http://schemas.openxmlformats.org/markup-compatibility/2006">
               <mc:Choice xmlns:v="urn:schemas-microsoft-com:vml" Requires="v">
-                <p:oleObj spid="_x0000_s3104" name="Equation" r:id="rId3" imgW="2082800" imgH="812800" progId="Equation.3">
+                <p:oleObj spid="_x0000_s3106" name="Equation" r:id="rId3" imgW="2082800" imgH="812800" progId="Equation.3">
                   <p:embed/>
                 </p:oleObj>
               </mc:Choice>
